--- a/notes/notes/ds-algo/ch8-rbtree.pptx
+++ b/notes/notes/ds-algo/ch8-rbtree.pptx
@@ -5,7 +5,7 @@
     <p:sldMasterId id="2147483660" r:id="rId1"/>
   </p:sldMasterIdLst>
   <p:notesMasterIdLst>
-    <p:notesMasterId r:id="rId12"/>
+    <p:notesMasterId r:id="rId14"/>
   </p:notesMasterIdLst>
   <p:sldIdLst>
     <p:sldId id="257" r:id="rId2"/>
@@ -17,7 +17,9 @@
     <p:sldId id="287" r:id="rId8"/>
     <p:sldId id="288" r:id="rId9"/>
     <p:sldId id="289" r:id="rId10"/>
-    <p:sldId id="281" r:id="rId11"/>
+    <p:sldId id="290" r:id="rId11"/>
+    <p:sldId id="291" r:id="rId12"/>
+    <p:sldId id="281" r:id="rId13"/>
   </p:sldIdLst>
   <p:sldSz cx="9144000" cy="6858000" type="screen4x3"/>
   <p:notesSz cx="6858000" cy="9144000"/>
@@ -209,7 +211,7 @@
           <a:p>
             <a:fld id="{9BFDADED-620D-D24E-82E2-96F000A12D1D}" type="datetimeFigureOut">
               <a:rPr lang="en-CN" smtClean="0"/>
-              <a:t>2024/1/30</a:t>
+              <a:t>2024/2/1</a:t>
             </a:fld>
             <a:endParaRPr lang="en-CN"/>
           </a:p>
@@ -1745,7 +1747,7 @@
           <a:p>
             <a:fld id="{58D30FAB-176C-8449-8796-69F8D9C85B57}" type="datetime1">
               <a:rPr lang="en-US" smtClean="0"/>
-              <a:t>1/30/24</a:t>
+              <a:t>2/1/24</a:t>
             </a:fld>
             <a:endParaRPr lang="en-CN"/>
           </a:p>
@@ -2984,7 +2986,7 @@
           <p:cNvPr id="2" name="Slide Number Placeholder 1">
             <a:extLst>
               <a:ext uri="{FF2B5EF4-FFF2-40B4-BE49-F238E27FC236}">
-                <a16:creationId xmlns:a16="http://schemas.microsoft.com/office/drawing/2014/main" id="{B21780A8-2A62-1D37-FA41-493440D7A0C2}"/>
+                <a16:creationId xmlns:a16="http://schemas.microsoft.com/office/drawing/2014/main" id="{D55958F3-02E5-0B91-BEDD-5D83208DD3FA}"/>
               </a:ext>
             </a:extLst>
           </p:cNvPr>
@@ -3004,6 +3006,406 @@
               <a:rPr lang="en-CN" smtClean="0"/>
               <a:pPr/>
               <a:t>10</a:t>
+            </a:fld>
+            <a:endParaRPr lang="en-CN"/>
+          </a:p>
+        </p:txBody>
+      </p:sp>
+      <p:sp>
+        <p:nvSpPr>
+          <p:cNvPr id="3" name="Title 2">
+            <a:extLst>
+              <a:ext uri="{FF2B5EF4-FFF2-40B4-BE49-F238E27FC236}">
+                <a16:creationId xmlns:a16="http://schemas.microsoft.com/office/drawing/2014/main" id="{EAFD23ED-901F-896D-B3E1-4A2E331B1217}"/>
+              </a:ext>
+            </a:extLst>
+          </p:cNvPr>
+          <p:cNvSpPr>
+            <a:spLocks noGrp="1"/>
+          </p:cNvSpPr>
+          <p:nvPr>
+            <p:ph type="title"/>
+          </p:nvPr>
+        </p:nvSpPr>
+        <p:spPr/>
+        <p:txBody>
+          <a:bodyPr>
+            <a:normAutofit/>
+          </a:bodyPr>
+          <a:lstStyle/>
+          <a:p>
+            <a:r>
+              <a:rPr kumimoji="1" lang="zh-CN" altLang="en-US" dirty="0"/>
+              <a:t>下一步</a:t>
+            </a:r>
+            <a:r>
+              <a:rPr kumimoji="1" lang="en-US" altLang="zh-CN" dirty="0"/>
+              <a:t>:</a:t>
+            </a:r>
+            <a:r>
+              <a:rPr kumimoji="1" lang="zh-CN" altLang="en-US" dirty="0"/>
+              <a:t> 把</a:t>
+            </a:r>
+            <a:r>
+              <a:rPr kumimoji="1" lang="en-US" altLang="zh-CN" dirty="0"/>
+              <a:t>2-4</a:t>
+            </a:r>
+            <a:r>
+              <a:rPr kumimoji="1" lang="zh-CN" altLang="en-US" dirty="0"/>
+              <a:t>树的操作映射到红黑树</a:t>
+            </a:r>
+          </a:p>
+        </p:txBody>
+      </p:sp>
+      <p:sp>
+        <p:nvSpPr>
+          <p:cNvPr id="4" name="TextBox 3">
+            <a:extLst>
+              <a:ext uri="{FF2B5EF4-FFF2-40B4-BE49-F238E27FC236}">
+                <a16:creationId xmlns:a16="http://schemas.microsoft.com/office/drawing/2014/main" id="{24A989BC-E669-C38E-DF11-03DD55FCC959}"/>
+              </a:ext>
+            </a:extLst>
+          </p:cNvPr>
+          <p:cNvSpPr txBox="1"/>
+          <p:nvPr/>
+        </p:nvSpPr>
+        <p:spPr>
+          <a:xfrm>
+            <a:off x="628650" y="1354668"/>
+            <a:ext cx="1146468" cy="1200329"/>
+          </a:xfrm>
+          <a:prstGeom prst="rect">
+            <a:avLst/>
+          </a:prstGeom>
+          <a:noFill/>
+        </p:spPr>
+        <p:txBody>
+          <a:bodyPr wrap="none" rtlCol="0">
+            <a:spAutoFit/>
+          </a:bodyPr>
+          <a:lstStyle/>
+          <a:p>
+            <a:pPr marL="342900" indent="-342900" algn="l">
+              <a:buFont typeface="Arial" panose="020B0604020202020204" pitchFamily="34" charset="0"/>
+              <a:buChar char="•"/>
+            </a:pPr>
+            <a:r>
+              <a:rPr kumimoji="1" lang="zh-CN" altLang="en-US" sz="2400" dirty="0"/>
+              <a:t>插入</a:t>
+            </a:r>
+            <a:endParaRPr kumimoji="1" lang="en-US" altLang="zh-CN" sz="2400" dirty="0"/>
+          </a:p>
+          <a:p>
+            <a:pPr marL="342900" indent="-342900" algn="l">
+              <a:buFont typeface="Arial" panose="020B0604020202020204" pitchFamily="34" charset="0"/>
+              <a:buChar char="•"/>
+            </a:pPr>
+            <a:r>
+              <a:rPr kumimoji="1" lang="zh-CN" altLang="en-US" sz="2400" dirty="0"/>
+              <a:t>修改</a:t>
+            </a:r>
+            <a:endParaRPr kumimoji="1" lang="en-US" altLang="zh-CN" sz="2400" dirty="0"/>
+          </a:p>
+          <a:p>
+            <a:pPr marL="342900" indent="-342900" algn="l">
+              <a:buFont typeface="Arial" panose="020B0604020202020204" pitchFamily="34" charset="0"/>
+              <a:buChar char="•"/>
+            </a:pPr>
+            <a:r>
+              <a:rPr kumimoji="1" lang="zh-CN" altLang="en-US" sz="2400" dirty="0"/>
+              <a:t>删除</a:t>
+            </a:r>
+          </a:p>
+        </p:txBody>
+      </p:sp>
+      <p:sp>
+        <p:nvSpPr>
+          <p:cNvPr id="5" name="TextBox 4">
+            <a:extLst>
+              <a:ext uri="{FF2B5EF4-FFF2-40B4-BE49-F238E27FC236}">
+                <a16:creationId xmlns:a16="http://schemas.microsoft.com/office/drawing/2014/main" id="{54E4D586-4BF8-9416-46A7-54CDC140CFBF}"/>
+              </a:ext>
+            </a:extLst>
+          </p:cNvPr>
+          <p:cNvSpPr txBox="1"/>
+          <p:nvPr/>
+        </p:nvSpPr>
+        <p:spPr>
+          <a:xfrm>
+            <a:off x="628650" y="3183919"/>
+            <a:ext cx="3740126" cy="461665"/>
+          </a:xfrm>
+          <a:prstGeom prst="rect">
+            <a:avLst/>
+          </a:prstGeom>
+          <a:noFill/>
+        </p:spPr>
+        <p:txBody>
+          <a:bodyPr wrap="none" rtlCol="0">
+            <a:spAutoFit/>
+          </a:bodyPr>
+          <a:lstStyle/>
+          <a:p>
+            <a:pPr algn="l"/>
+            <a:r>
+              <a:rPr kumimoji="1" lang="zh-CN" altLang="en-US" sz="2400" dirty="0"/>
+              <a:t>首先</a:t>
+            </a:r>
+            <a:r>
+              <a:rPr kumimoji="1" lang="en-US" altLang="zh-CN" sz="2400" dirty="0"/>
+              <a:t>:</a:t>
+            </a:r>
+            <a:r>
+              <a:rPr kumimoji="1" lang="zh-CN" altLang="en-US" sz="2400" dirty="0"/>
+              <a:t> 探查一些初步的性质</a:t>
+            </a:r>
+            <a:endParaRPr kumimoji="1" lang="en-US" altLang="zh-CN" sz="2400" dirty="0"/>
+          </a:p>
+        </p:txBody>
+      </p:sp>
+      <p:pic>
+        <p:nvPicPr>
+          <p:cNvPr id="6" name="Picture 5">
+            <a:extLst>
+              <a:ext uri="{FF2B5EF4-FFF2-40B4-BE49-F238E27FC236}">
+                <a16:creationId xmlns:a16="http://schemas.microsoft.com/office/drawing/2014/main" id="{AC5DB305-D3E6-61D1-9BD3-3A404945EAFF}"/>
+              </a:ext>
+            </a:extLst>
+          </p:cNvPr>
+          <p:cNvPicPr>
+            <a:picLocks noChangeAspect="1"/>
+          </p:cNvPicPr>
+          <p:nvPr/>
+        </p:nvPicPr>
+        <p:blipFill>
+          <a:blip r:embed="rId2"/>
+          <a:stretch>
+            <a:fillRect/>
+          </a:stretch>
+        </p:blipFill>
+        <p:spPr>
+          <a:xfrm>
+            <a:off x="631012" y="3846216"/>
+            <a:ext cx="8420365" cy="1456784"/>
+          </a:xfrm>
+          <a:prstGeom prst="rect">
+            <a:avLst/>
+          </a:prstGeom>
+        </p:spPr>
+      </p:pic>
+      <p:pic>
+        <p:nvPicPr>
+          <p:cNvPr id="7" name="Picture 6">
+            <a:extLst>
+              <a:ext uri="{FF2B5EF4-FFF2-40B4-BE49-F238E27FC236}">
+                <a16:creationId xmlns:a16="http://schemas.microsoft.com/office/drawing/2014/main" id="{35A0A9D8-94E3-CE38-5572-653E748E8DA5}"/>
+              </a:ext>
+            </a:extLst>
+          </p:cNvPr>
+          <p:cNvPicPr>
+            <a:picLocks noChangeAspect="1"/>
+          </p:cNvPicPr>
+          <p:nvPr/>
+        </p:nvPicPr>
+        <p:blipFill>
+          <a:blip r:embed="rId3"/>
+          <a:stretch>
+            <a:fillRect/>
+          </a:stretch>
+        </p:blipFill>
+        <p:spPr>
+          <a:xfrm>
+            <a:off x="4273052" y="961454"/>
+            <a:ext cx="4919631" cy="2288435"/>
+          </a:xfrm>
+          <a:prstGeom prst="rect">
+            <a:avLst/>
+          </a:prstGeom>
+          <a:noFill/>
+          <a:ln w="63500">
+            <a:tailEnd type="triangle"/>
+          </a:ln>
+        </p:spPr>
+      </p:pic>
+      <p:sp>
+        <p:nvSpPr>
+          <p:cNvPr id="8" name="TextBox 7">
+            <a:extLst>
+              <a:ext uri="{FF2B5EF4-FFF2-40B4-BE49-F238E27FC236}">
+                <a16:creationId xmlns:a16="http://schemas.microsoft.com/office/drawing/2014/main" id="{12728B6B-746F-74F4-3CA3-7094829FFF38}"/>
+              </a:ext>
+            </a:extLst>
+          </p:cNvPr>
+          <p:cNvSpPr txBox="1"/>
+          <p:nvPr/>
+        </p:nvSpPr>
+        <p:spPr>
+          <a:xfrm>
+            <a:off x="699911" y="5644444"/>
+            <a:ext cx="1762021" cy="461665"/>
+          </a:xfrm>
+          <a:prstGeom prst="rect">
+            <a:avLst/>
+          </a:prstGeom>
+          <a:noFill/>
+        </p:spPr>
+        <p:txBody>
+          <a:bodyPr wrap="none" rtlCol="0">
+            <a:spAutoFit/>
+          </a:bodyPr>
+          <a:lstStyle/>
+          <a:p>
+            <a:pPr marL="342900" indent="-342900" algn="l">
+              <a:buFont typeface="Arial" panose="020B0604020202020204" pitchFamily="34" charset="0"/>
+              <a:buChar char="•"/>
+            </a:pPr>
+            <a:r>
+              <a:rPr kumimoji="1" lang="zh-CN" altLang="en-US" sz="2400" dirty="0"/>
+              <a:t>根是黑的</a:t>
+            </a:r>
+          </a:p>
+        </p:txBody>
+      </p:sp>
+    </p:spTree>
+    <p:extLst>
+      <p:ext uri="{BB962C8B-B14F-4D97-AF65-F5344CB8AC3E}">
+        <p14:creationId xmlns:p14="http://schemas.microsoft.com/office/powerpoint/2010/main" val="2472212442"/>
+      </p:ext>
+    </p:extLst>
+  </p:cSld>
+  <p:clrMapOvr>
+    <a:masterClrMapping/>
+  </p:clrMapOvr>
+</p:sld>
+</file>
+
+<file path=ppt/slides/slide11.xml><?xml version="1.0" encoding="utf-8"?>
+<p:sld xmlns:a="http://schemas.openxmlformats.org/drawingml/2006/main" xmlns:r="http://schemas.openxmlformats.org/officeDocument/2006/relationships" xmlns:p="http://schemas.openxmlformats.org/presentationml/2006/main">
+  <p:cSld>
+    <p:spTree>
+      <p:nvGrpSpPr>
+        <p:cNvPr id="1" name=""/>
+        <p:cNvGrpSpPr/>
+        <p:nvPr/>
+      </p:nvGrpSpPr>
+      <p:grpSpPr>
+        <a:xfrm>
+          <a:off x="0" y="0"/>
+          <a:ext cx="0" cy="0"/>
+          <a:chOff x="0" y="0"/>
+          <a:chExt cx="0" cy="0"/>
+        </a:xfrm>
+      </p:grpSpPr>
+      <p:sp>
+        <p:nvSpPr>
+          <p:cNvPr id="2" name="Slide Number Placeholder 1">
+            <a:extLst>
+              <a:ext uri="{FF2B5EF4-FFF2-40B4-BE49-F238E27FC236}">
+                <a16:creationId xmlns:a16="http://schemas.microsoft.com/office/drawing/2014/main" id="{B690A16A-59BB-F4C6-0454-785278C57E73}"/>
+              </a:ext>
+            </a:extLst>
+          </p:cNvPr>
+          <p:cNvSpPr>
+            <a:spLocks noGrp="1"/>
+          </p:cNvSpPr>
+          <p:nvPr>
+            <p:ph type="sldNum" sz="quarter" idx="12"/>
+          </p:nvPr>
+        </p:nvSpPr>
+        <p:spPr/>
+        <p:txBody>
+          <a:bodyPr/>
+          <a:lstStyle/>
+          <a:p>
+            <a:fld id="{7A304655-5D53-B746-8252-3F5A598C52D3}" type="slidenum">
+              <a:rPr lang="en-CN" smtClean="0"/>
+              <a:pPr/>
+              <a:t>11</a:t>
+            </a:fld>
+            <a:endParaRPr lang="en-CN"/>
+          </a:p>
+        </p:txBody>
+      </p:sp>
+      <p:sp>
+        <p:nvSpPr>
+          <p:cNvPr id="3" name="Title 2">
+            <a:extLst>
+              <a:ext uri="{FF2B5EF4-FFF2-40B4-BE49-F238E27FC236}">
+                <a16:creationId xmlns:a16="http://schemas.microsoft.com/office/drawing/2014/main" id="{25589B45-6912-3808-457D-6D56727EB547}"/>
+              </a:ext>
+            </a:extLst>
+          </p:cNvPr>
+          <p:cNvSpPr>
+            <a:spLocks noGrp="1"/>
+          </p:cNvSpPr>
+          <p:nvPr>
+            <p:ph type="title"/>
+          </p:nvPr>
+        </p:nvSpPr>
+        <p:spPr/>
+        <p:txBody>
+          <a:bodyPr/>
+          <a:lstStyle/>
+          <a:p>
+            <a:endParaRPr kumimoji="1" lang="zh-CN" altLang="en-US"/>
+          </a:p>
+        </p:txBody>
+      </p:sp>
+    </p:spTree>
+    <p:extLst>
+      <p:ext uri="{BB962C8B-B14F-4D97-AF65-F5344CB8AC3E}">
+        <p14:creationId xmlns:p14="http://schemas.microsoft.com/office/powerpoint/2010/main" val="3991955567"/>
+      </p:ext>
+    </p:extLst>
+  </p:cSld>
+  <p:clrMapOvr>
+    <a:masterClrMapping/>
+  </p:clrMapOvr>
+</p:sld>
+</file>
+
+<file path=ppt/slides/slide12.xml><?xml version="1.0" encoding="utf-8"?>
+<p:sld xmlns:a="http://schemas.openxmlformats.org/drawingml/2006/main" xmlns:r="http://schemas.openxmlformats.org/officeDocument/2006/relationships" xmlns:p="http://schemas.openxmlformats.org/presentationml/2006/main">
+  <p:cSld>
+    <p:spTree>
+      <p:nvGrpSpPr>
+        <p:cNvPr id="1" name=""/>
+        <p:cNvGrpSpPr/>
+        <p:nvPr/>
+      </p:nvGrpSpPr>
+      <p:grpSpPr>
+        <a:xfrm>
+          <a:off x="0" y="0"/>
+          <a:ext cx="0" cy="0"/>
+          <a:chOff x="0" y="0"/>
+          <a:chExt cx="0" cy="0"/>
+        </a:xfrm>
+      </p:grpSpPr>
+      <p:sp>
+        <p:nvSpPr>
+          <p:cNvPr id="2" name="Slide Number Placeholder 1">
+            <a:extLst>
+              <a:ext uri="{FF2B5EF4-FFF2-40B4-BE49-F238E27FC236}">
+                <a16:creationId xmlns:a16="http://schemas.microsoft.com/office/drawing/2014/main" id="{B21780A8-2A62-1D37-FA41-493440D7A0C2}"/>
+              </a:ext>
+            </a:extLst>
+          </p:cNvPr>
+          <p:cNvSpPr>
+            <a:spLocks noGrp="1"/>
+          </p:cNvSpPr>
+          <p:nvPr>
+            <p:ph type="sldNum" sz="quarter" idx="12"/>
+          </p:nvPr>
+        </p:nvSpPr>
+        <p:spPr/>
+        <p:txBody>
+          <a:bodyPr/>
+          <a:lstStyle/>
+          <a:p>
+            <a:fld id="{7A304655-5D53-B746-8252-3F5A598C52D3}" type="slidenum">
+              <a:rPr lang="en-CN" smtClean="0"/>
+              <a:pPr/>
+              <a:t>12</a:t>
             </a:fld>
             <a:endParaRPr lang="en-CN"/>
           </a:p>
